--- a/PM.overview/PM -- PMBoK 5 Brief Overview -- Oleksiy Rudenko (150417 eng).pptx
+++ b/PM.overview/PM -- PMBoK 5 Brief Overview -- Oleksiy Rudenko (150417 eng).pptx
@@ -18586,67 +18586,13 @@
       </p:sp>
       <p:sp>
         <p:nvSpPr>
-          <p:cNvPr id="7" name="Прямоугольник 6"/>
-          <p:cNvSpPr/>
-          <p:nvPr/>
-        </p:nvSpPr>
-        <p:spPr>
-          <a:xfrm>
-            <a:off x="529208" y="1196752"/>
-            <a:ext cx="2818656" cy="3528392"/>
-          </a:xfrm>
-          <a:prstGeom prst="rect">
-            <a:avLst/>
-          </a:prstGeom>
-          <a:ln>
-            <a:noFill/>
-          </a:ln>
-        </p:spPr>
-        <p:style>
-          <a:lnRef idx="2">
-            <a:schemeClr val="accent1">
-              <a:shade val="50000"/>
-            </a:schemeClr>
-          </a:lnRef>
-          <a:fillRef idx="1">
-            <a:schemeClr val="accent1"/>
-          </a:fillRef>
-          <a:effectRef idx="0">
-            <a:schemeClr val="accent1"/>
-          </a:effectRef>
-          <a:fontRef idx="minor">
-            <a:schemeClr val="lt1"/>
-          </a:fontRef>
-        </p:style>
-        <p:txBody>
-          <a:bodyPr rot="0" spcFirstLastPara="0" vertOverflow="overflow" horzOverflow="overflow" vert="horz" wrap="square" lIns="91440" tIns="45720" rIns="91440" bIns="45720" numCol="1" spcCol="0" rtlCol="0" fromWordArt="0" anchor="t" anchorCtr="0" forceAA="0" compatLnSpc="1">
-            <a:prstTxWarp prst="textNoShape">
-              <a:avLst/>
-            </a:prstTxWarp>
-            <a:noAutofit/>
-          </a:bodyPr>
-          <a:lstStyle/>
-          <a:p>
-            <a:pPr algn="just"/>
-            <a:endParaRPr lang="uk-UA" dirty="0" err="1" smtClean="0">
-              <a:solidFill>
-                <a:schemeClr val="bg1"/>
-              </a:solidFill>
-              <a:latin typeface="Arial" panose="020B0604020202020204" pitchFamily="34" charset="0"/>
-              <a:cs typeface="Arial" panose="020B0604020202020204" pitchFamily="34" charset="0"/>
-            </a:endParaRPr>
-          </a:p>
-        </p:txBody>
-      </p:sp>
-      <p:sp>
-        <p:nvSpPr>
           <p:cNvPr id="8" name="Прямоугольник 7"/>
           <p:cNvSpPr/>
           <p:nvPr/>
         </p:nvSpPr>
         <p:spPr>
           <a:xfrm>
-            <a:off x="4067944" y="1196752"/>
+            <a:off x="4067944" y="980728"/>
             <a:ext cx="4618856" cy="4896544"/>
           </a:xfrm>
           <a:prstGeom prst="rect">
@@ -18683,7 +18629,7 @@
           <a:lstStyle/>
           <a:p>
             <a:r>
-              <a:rPr lang="en-US" sz="1600" b="1" dirty="0" smtClean="0">
+              <a:rPr lang="en-US" sz="1500" b="1" dirty="0" smtClean="0">
                 <a:solidFill>
                   <a:srgbClr val="0070C0"/>
                 </a:solidFill>
@@ -18695,7 +18641,7 @@
           </a:p>
           <a:p>
             <a:r>
-              <a:rPr lang="en-US" sz="1600" dirty="0" smtClean="0">
+              <a:rPr lang="en-US" sz="1500" dirty="0" smtClean="0">
                 <a:solidFill>
                   <a:srgbClr val="0070C0"/>
                 </a:solidFill>
@@ -18706,7 +18652,7 @@
             </a:r>
           </a:p>
           <a:p>
-            <a:endParaRPr lang="en-US" sz="1600" dirty="0">
+            <a:endParaRPr lang="en-US" sz="1500" dirty="0">
               <a:solidFill>
                 <a:srgbClr val="0070C0"/>
               </a:solidFill>
@@ -18716,7 +18662,7 @@
           </a:p>
           <a:p>
             <a:r>
-              <a:rPr lang="en-US" sz="1600" b="1" dirty="0" smtClean="0">
+              <a:rPr lang="en-US" sz="1500" b="1" dirty="0" smtClean="0">
                 <a:solidFill>
                   <a:srgbClr val="0070C0"/>
                 </a:solidFill>
@@ -18728,45 +18674,18 @@
           </a:p>
           <a:p>
             <a:r>
-              <a:rPr lang="en-US" sz="1600" dirty="0" smtClean="0">
+              <a:rPr lang="en-US" sz="1500" dirty="0" smtClean="0">
                 <a:solidFill>
                   <a:srgbClr val="0070C0"/>
                 </a:solidFill>
                 <a:latin typeface="Arial" panose="020B0604020202020204" pitchFamily="34" charset="0"/>
                 <a:cs typeface="Arial" panose="020B0604020202020204" pitchFamily="34" charset="0"/>
               </a:rPr>
-              <a:t>PM, Leadership, CRM</a:t>
+              <a:t>PM, Leadership, CRM, IT, Insurance</a:t>
             </a:r>
-            <a:r>
-              <a:rPr lang="en-US" sz="1600" dirty="0" smtClean="0">
-                <a:solidFill>
-                  <a:srgbClr val="0070C0"/>
-                </a:solidFill>
-                <a:latin typeface="Arial" panose="020B0604020202020204" pitchFamily="34" charset="0"/>
-                <a:cs typeface="Arial" panose="020B0604020202020204" pitchFamily="34" charset="0"/>
-              </a:rPr>
-              <a:t>, </a:t>
-            </a:r>
-            <a:r>
-              <a:rPr lang="en-US" sz="1600" dirty="0" smtClean="0">
-                <a:solidFill>
-                  <a:srgbClr val="0070C0"/>
-                </a:solidFill>
-                <a:latin typeface="Arial" panose="020B0604020202020204" pitchFamily="34" charset="0"/>
-                <a:cs typeface="Arial" panose="020B0604020202020204" pitchFamily="34" charset="0"/>
-              </a:rPr>
-              <a:t>IT, Insurance</a:t>
-            </a:r>
-            <a:endParaRPr lang="en-US" sz="1600" dirty="0" smtClean="0">
-              <a:solidFill>
-                <a:srgbClr val="0070C0"/>
-              </a:solidFill>
-              <a:latin typeface="Arial" panose="020B0604020202020204" pitchFamily="34" charset="0"/>
-              <a:cs typeface="Arial" panose="020B0604020202020204" pitchFamily="34" charset="0"/>
-            </a:endParaRPr>
           </a:p>
           <a:p>
-            <a:endParaRPr lang="en-US" sz="1600" dirty="0">
+            <a:endParaRPr lang="en-US" sz="1500" dirty="0">
               <a:solidFill>
                 <a:srgbClr val="0070C0"/>
               </a:solidFill>
@@ -18776,7 +18695,7 @@
           </a:p>
           <a:p>
             <a:r>
-              <a:rPr lang="en-US" sz="1600" b="1" dirty="0" smtClean="0">
+              <a:rPr lang="en-US" sz="1500" b="1" dirty="0" smtClean="0">
                 <a:solidFill>
                   <a:srgbClr val="0070C0"/>
                 </a:solidFill>
@@ -18788,29 +18707,19 @@
           </a:p>
           <a:p>
             <a:r>
-              <a:rPr lang="en-US" sz="1600" dirty="0" smtClean="0">
+              <a:rPr lang="en-US" sz="1500" dirty="0" smtClean="0">
                 <a:solidFill>
                   <a:srgbClr val="0070C0"/>
                 </a:solidFill>
                 <a:latin typeface="Arial" panose="020B0604020202020204" pitchFamily="34" charset="0"/>
                 <a:cs typeface="Arial" panose="020B0604020202020204" pitchFamily="34" charset="0"/>
               </a:rPr>
-              <a:t>Project/program sponsor, manager, contributor, team </a:t>
-            </a:r>
-            <a:r>
-              <a:rPr lang="en-US" sz="1600" dirty="0" smtClean="0">
-                <a:solidFill>
-                  <a:srgbClr val="0070C0"/>
-                </a:solidFill>
-                <a:latin typeface="Arial" panose="020B0604020202020204" pitchFamily="34" charset="0"/>
-                <a:cs typeface="Arial" panose="020B0604020202020204" pitchFamily="34" charset="0"/>
-              </a:rPr>
-              <a:t>member.</a:t>
+              <a:t>Project/program sponsor, manager, contributor, team member.</a:t>
             </a:r>
           </a:p>
           <a:p>
             <a:r>
-              <a:rPr lang="en-US" sz="1600" dirty="0" smtClean="0">
+              <a:rPr lang="en-US" sz="1500" dirty="0" smtClean="0">
                 <a:solidFill>
                   <a:srgbClr val="0070C0"/>
                 </a:solidFill>
@@ -18819,16 +18728,41 @@
               </a:rPr>
               <a:t>Managed, supervised, mentored dozens of projects of different scales.</a:t>
             </a:r>
-            <a:endParaRPr lang="en-US" sz="1600" dirty="0" smtClean="0">
-              <a:solidFill>
-                <a:srgbClr val="0070C0"/>
-              </a:solidFill>
-              <a:latin typeface="Arial" panose="020B0604020202020204" pitchFamily="34" charset="0"/>
-              <a:cs typeface="Arial" panose="020B0604020202020204" pitchFamily="34" charset="0"/>
-            </a:endParaRPr>
           </a:p>
           <a:p>
-            <a:endParaRPr lang="en-US" sz="1600" dirty="0">
+            <a:r>
+              <a:rPr lang="en-US" sz="1500" dirty="0" smtClean="0">
+                <a:solidFill>
+                  <a:srgbClr val="0070C0"/>
+                </a:solidFill>
+                <a:latin typeface="Arial" panose="020B0604020202020204" pitchFamily="34" charset="0"/>
+                <a:cs typeface="Arial" panose="020B0604020202020204" pitchFamily="34" charset="0"/>
+              </a:rPr>
+              <a:t>Implemented </a:t>
+            </a:r>
+            <a:r>
+              <a:rPr lang="en-US" sz="1500" dirty="0" err="1" smtClean="0">
+                <a:solidFill>
+                  <a:srgbClr val="0070C0"/>
+                </a:solidFill>
+                <a:latin typeface="Arial" panose="020B0604020202020204" pitchFamily="34" charset="0"/>
+                <a:cs typeface="Arial" panose="020B0604020202020204" pitchFamily="34" charset="0"/>
+              </a:rPr>
+              <a:t>Kanban</a:t>
+            </a:r>
+            <a:r>
+              <a:rPr lang="en-US" sz="1500" dirty="0" smtClean="0">
+                <a:solidFill>
+                  <a:srgbClr val="0070C0"/>
+                </a:solidFill>
+                <a:latin typeface="Arial" panose="020B0604020202020204" pitchFamily="34" charset="0"/>
+                <a:cs typeface="Arial" panose="020B0604020202020204" pitchFamily="34" charset="0"/>
+              </a:rPr>
+              <a:t> for tiny projects.</a:t>
+            </a:r>
+          </a:p>
+          <a:p>
+            <a:endParaRPr lang="en-US" sz="1500" dirty="0">
               <a:solidFill>
                 <a:srgbClr val="0070C0"/>
               </a:solidFill>
@@ -18838,19 +18772,19 @@
           </a:p>
           <a:p>
             <a:r>
-              <a:rPr lang="en-US" sz="1600" b="1" dirty="0" smtClean="0">
+              <a:rPr lang="en-US" sz="1500" b="1" dirty="0" smtClean="0">
                 <a:solidFill>
                   <a:srgbClr val="0070C0"/>
                 </a:solidFill>
                 <a:latin typeface="Arial" panose="020B0604020202020204" pitchFamily="34" charset="0"/>
                 <a:cs typeface="Arial" panose="020B0604020202020204" pitchFamily="34" charset="0"/>
               </a:rPr>
-              <a:t>Types of projects completed per scopes:</a:t>
+              <a:t>Types of projects completed per area of expertise:</a:t>
             </a:r>
           </a:p>
           <a:p>
             <a:r>
-              <a:rPr lang="en-US" sz="1600" dirty="0" smtClean="0">
+              <a:rPr lang="en-US" sz="1500" dirty="0" smtClean="0">
                 <a:solidFill>
                   <a:srgbClr val="0070C0"/>
                 </a:solidFill>
@@ -18861,7 +18795,7 @@
             </a:r>
           </a:p>
           <a:p>
-            <a:endParaRPr lang="en-US" sz="1600" dirty="0">
+            <a:endParaRPr lang="en-US" sz="1500" dirty="0">
               <a:solidFill>
                 <a:srgbClr val="0070C0"/>
               </a:solidFill>
@@ -18871,7 +18805,7 @@
           </a:p>
           <a:p>
             <a:r>
-              <a:rPr lang="en-US" sz="1600" b="1" dirty="0" smtClean="0">
+              <a:rPr lang="en-US" sz="1500" b="1" dirty="0" smtClean="0">
                 <a:solidFill>
                   <a:srgbClr val="0070C0"/>
                 </a:solidFill>
@@ -18883,118 +18817,28 @@
           </a:p>
           <a:p>
             <a:r>
-              <a:rPr lang="en-US" sz="1600" dirty="0" smtClean="0">
+              <a:rPr lang="en-US" sz="1500" dirty="0" smtClean="0">
                 <a:solidFill>
                   <a:srgbClr val="0070C0"/>
                 </a:solidFill>
                 <a:latin typeface="Arial" panose="020B0604020202020204" pitchFamily="34" charset="0"/>
                 <a:cs typeface="Arial" panose="020B0604020202020204" pitchFamily="34" charset="0"/>
               </a:rPr>
-              <a:t>UNIQA Insurance Group</a:t>
+              <a:t>UNIQA Insurance Group member company</a:t>
             </a:r>
-            <a:endParaRPr lang="uk-UA" sz="1600" dirty="0" err="1" smtClean="0">
-              <a:solidFill>
-                <a:srgbClr val="0070C0"/>
-              </a:solidFill>
-              <a:latin typeface="Arial" panose="020B0604020202020204" pitchFamily="34" charset="0"/>
-              <a:cs typeface="Arial" panose="020B0604020202020204" pitchFamily="34" charset="0"/>
-            </a:endParaRPr>
           </a:p>
-        </p:txBody>
-      </p:sp>
-      <p:sp>
-        <p:nvSpPr>
-          <p:cNvPr id="11" name="Прямоугольник 10"/>
-          <p:cNvSpPr/>
-          <p:nvPr/>
-        </p:nvSpPr>
-        <p:spPr>
-          <a:xfrm>
-            <a:off x="457200" y="4869160"/>
-            <a:ext cx="2818656" cy="1296144"/>
-          </a:xfrm>
-          <a:prstGeom prst="rect">
-            <a:avLst/>
-          </a:prstGeom>
-          <a:noFill/>
-          <a:ln>
-            <a:noFill/>
-          </a:ln>
-        </p:spPr>
-        <p:style>
-          <a:lnRef idx="2">
-            <a:schemeClr val="accent1">
-              <a:shade val="50000"/>
-            </a:schemeClr>
-          </a:lnRef>
-          <a:fillRef idx="1">
-            <a:schemeClr val="accent1"/>
-          </a:fillRef>
-          <a:effectRef idx="0">
-            <a:schemeClr val="accent1"/>
-          </a:effectRef>
-          <a:fontRef idx="minor">
-            <a:schemeClr val="lt1"/>
-          </a:fontRef>
-        </p:style>
-        <p:txBody>
-          <a:bodyPr rot="0" spcFirstLastPara="0" vertOverflow="overflow" horzOverflow="overflow" vert="horz" wrap="square" lIns="91440" tIns="45720" rIns="91440" bIns="45720" numCol="1" spcCol="0" rtlCol="0" fromWordArt="0" anchor="t" anchorCtr="0" forceAA="0" compatLnSpc="1">
-            <a:prstTxWarp prst="textNoShape">
-              <a:avLst/>
-            </a:prstTxWarp>
-            <a:noAutofit/>
-          </a:bodyPr>
-          <a:lstStyle/>
           <a:p>
-            <a:pPr algn="just"/>
             <a:r>
-              <a:rPr lang="en-US" noProof="1" smtClean="0">
+              <a:rPr lang="en-US" sz="1500" dirty="0" smtClean="0">
                 <a:solidFill>
                   <a:srgbClr val="0070C0"/>
                 </a:solidFill>
                 <a:latin typeface="Arial" panose="020B0604020202020204" pitchFamily="34" charset="0"/>
                 <a:cs typeface="Arial" panose="020B0604020202020204" pitchFamily="34" charset="0"/>
               </a:rPr>
-              <a:t>Oleksiy Rudenko</a:t>
+              <a:t>since August 2009</a:t>
             </a:r>
-          </a:p>
-          <a:p>
-            <a:pPr algn="just"/>
-            <a:r>
-              <a:rPr lang="en-US" noProof="1" smtClean="0">
-                <a:solidFill>
-                  <a:srgbClr val="0070C0"/>
-                </a:solidFill>
-                <a:latin typeface="Arial" panose="020B0604020202020204" pitchFamily="34" charset="0"/>
-                <a:cs typeface="Arial" panose="020B0604020202020204" pitchFamily="34" charset="0"/>
-              </a:rPr>
-              <a:t>LL.M., M.Ec.</a:t>
-            </a:r>
-          </a:p>
-          <a:p>
-            <a:pPr algn="just"/>
-            <a:endParaRPr lang="en-US" noProof="1" smtClean="0">
-              <a:solidFill>
-                <a:srgbClr val="0070C0"/>
-              </a:solidFill>
-              <a:latin typeface="Arial" panose="020B0604020202020204" pitchFamily="34" charset="0"/>
-              <a:cs typeface="Arial" panose="020B0604020202020204" pitchFamily="34" charset="0"/>
-            </a:endParaRPr>
-          </a:p>
-          <a:p>
-            <a:pPr algn="just"/>
-            <a:r>
-              <a:rPr lang="en-US" sz="1400" noProof="1" smtClean="0">
-                <a:solidFill>
-                  <a:srgbClr val="0070C0"/>
-                </a:solidFill>
-                <a:latin typeface="Arial" panose="020B0604020202020204" pitchFamily="34" charset="0"/>
-                <a:cs typeface="Arial" panose="020B0604020202020204" pitchFamily="34" charset="0"/>
-                <a:hlinkClick r:id="rId2"/>
-              </a:rPr>
-              <a:t>oleksiy.rudenko@gmail.com</a:t>
-            </a:r>
-            <a:endParaRPr lang="en-US" sz="1400" noProof="1" smtClean="0">
+            <a:endParaRPr lang="uk-UA" sz="1500" dirty="0" smtClean="0">
               <a:solidFill>
                 <a:srgbClr val="0070C0"/>
               </a:solidFill>
@@ -19082,6 +18926,135 @@
           </a:p>
         </p:txBody>
       </p:sp>
+      <p:sp>
+        <p:nvSpPr>
+          <p:cNvPr id="11" name="Прямоугольник 10"/>
+          <p:cNvSpPr/>
+          <p:nvPr/>
+        </p:nvSpPr>
+        <p:spPr>
+          <a:xfrm>
+            <a:off x="529208" y="4545124"/>
+            <a:ext cx="2530624" cy="1296144"/>
+          </a:xfrm>
+          <a:prstGeom prst="rect">
+            <a:avLst/>
+          </a:prstGeom>
+          <a:noFill/>
+          <a:ln>
+            <a:noFill/>
+          </a:ln>
+          <a:effectLst/>
+        </p:spPr>
+        <p:style>
+          <a:lnRef idx="2">
+            <a:schemeClr val="accent1">
+              <a:shade val="50000"/>
+            </a:schemeClr>
+          </a:lnRef>
+          <a:fillRef idx="1">
+            <a:schemeClr val="accent1"/>
+          </a:fillRef>
+          <a:effectRef idx="0">
+            <a:schemeClr val="accent1"/>
+          </a:effectRef>
+          <a:fontRef idx="minor">
+            <a:schemeClr val="lt1"/>
+          </a:fontRef>
+        </p:style>
+        <p:txBody>
+          <a:bodyPr rot="0" spcFirstLastPara="0" vertOverflow="overflow" horzOverflow="overflow" vert="horz" wrap="square" lIns="91440" tIns="45720" rIns="91440" bIns="45720" numCol="1" spcCol="0" rtlCol="0" fromWordArt="0" anchor="t" anchorCtr="0" forceAA="0" compatLnSpc="1">
+            <a:prstTxWarp prst="textNoShape">
+              <a:avLst/>
+            </a:prstTxWarp>
+            <a:noAutofit/>
+          </a:bodyPr>
+          <a:lstStyle/>
+          <a:p>
+            <a:pPr algn="just"/>
+            <a:r>
+              <a:rPr lang="en-US" noProof="1" smtClean="0">
+                <a:solidFill>
+                  <a:srgbClr val="0070C0"/>
+                </a:solidFill>
+                <a:latin typeface="Arial" panose="020B0604020202020204" pitchFamily="34" charset="0"/>
+                <a:cs typeface="Arial" panose="020B0604020202020204" pitchFamily="34" charset="0"/>
+              </a:rPr>
+              <a:t>Oleksiy Rudenko</a:t>
+            </a:r>
+          </a:p>
+          <a:p>
+            <a:pPr algn="just"/>
+            <a:r>
+              <a:rPr lang="en-US" noProof="1" smtClean="0">
+                <a:solidFill>
+                  <a:srgbClr val="0070C0"/>
+                </a:solidFill>
+                <a:latin typeface="Arial" panose="020B0604020202020204" pitchFamily="34" charset="0"/>
+                <a:cs typeface="Arial" panose="020B0604020202020204" pitchFamily="34" charset="0"/>
+              </a:rPr>
+              <a:t>LL.M., M.Ec.</a:t>
+            </a:r>
+          </a:p>
+          <a:p>
+            <a:pPr algn="just"/>
+            <a:endParaRPr lang="en-US" noProof="1" smtClean="0">
+              <a:solidFill>
+                <a:srgbClr val="0070C0"/>
+              </a:solidFill>
+              <a:latin typeface="Arial" panose="020B0604020202020204" pitchFamily="34" charset="0"/>
+              <a:cs typeface="Arial" panose="020B0604020202020204" pitchFamily="34" charset="0"/>
+            </a:endParaRPr>
+          </a:p>
+          <a:p>
+            <a:pPr algn="just"/>
+            <a:r>
+              <a:rPr lang="en-US" sz="1400" noProof="1" smtClean="0">
+                <a:solidFill>
+                  <a:srgbClr val="0070C0"/>
+                </a:solidFill>
+                <a:latin typeface="Arial" panose="020B0604020202020204" pitchFamily="34" charset="0"/>
+                <a:cs typeface="Arial" panose="020B0604020202020204" pitchFamily="34" charset="0"/>
+                <a:hlinkClick r:id="rId2"/>
+              </a:rPr>
+              <a:t>oleksiy.rudenko@gmail.com</a:t>
+            </a:r>
+            <a:endParaRPr lang="en-US" sz="1400" noProof="1" smtClean="0">
+              <a:solidFill>
+                <a:srgbClr val="0070C0"/>
+              </a:solidFill>
+              <a:latin typeface="Arial" panose="020B0604020202020204" pitchFamily="34" charset="0"/>
+              <a:cs typeface="Arial" panose="020B0604020202020204" pitchFamily="34" charset="0"/>
+            </a:endParaRPr>
+          </a:p>
+        </p:txBody>
+      </p:sp>
+      <p:pic>
+        <p:nvPicPr>
+          <p:cNvPr id="3" name="Picture 2" descr="D:\prj\_under-development\_tpl\Rudenko-150417-x600.jpg"/>
+          <p:cNvPicPr>
+            <a:picLocks noChangeAspect="1" noChangeArrowheads="1"/>
+          </p:cNvPicPr>
+          <p:nvPr/>
+        </p:nvPicPr>
+        <p:blipFill>
+          <a:blip r:embed="rId3" cstate="print"/>
+          <a:srcRect/>
+          <a:stretch>
+            <a:fillRect/>
+          </a:stretch>
+        </p:blipFill>
+        <p:spPr bwMode="auto">
+          <a:xfrm>
+            <a:off x="611560" y="1052736"/>
+            <a:ext cx="2386608" cy="3300568"/>
+          </a:xfrm>
+          <a:prstGeom prst="rect">
+            <a:avLst/>
+          </a:prstGeom>
+          <a:noFill/>
+        </p:spPr>
+      </p:pic>
     </p:spTree>
     <p:extLst>
       <p:ext uri="{BB962C8B-B14F-4D97-AF65-F5344CB8AC3E}">

--- a/PM.overview/PM -- PMBoK 5 Brief Overview -- Oleksiy Rudenko (150417 eng).pptx
+++ b/PM.overview/PM -- PMBoK 5 Brief Overview -- Oleksiy Rudenko (150417 eng).pptx
@@ -126,7 +126,7 @@
   </p:defaultTextStyle>
   <p:extLst>
     <p:ext uri="{EFAFB233-063F-42B5-8137-9DF3F51BA10A}">
-      <p15:sldGuideLst xmlns="" xmlns:p15="http://schemas.microsoft.com/office/powerpoint/2012/main">
+      <p15:sldGuideLst xmlns:p15="http://schemas.microsoft.com/office/powerpoint/2012/main" xmlns="">
         <p15:guide id="1" orient="horz" pos="2160">
           <p15:clr>
             <a:srgbClr val="A4A3A4"/>
@@ -395,7 +395,7 @@
     </p:spTree>
     <p:extLst>
       <p:ext uri="{BB962C8B-B14F-4D97-AF65-F5344CB8AC3E}">
-        <p14:creationId xmlns="" xmlns:p14="http://schemas.microsoft.com/office/powerpoint/2010/main" val="2526714291"/>
+        <p14:creationId xmlns:p14="http://schemas.microsoft.com/office/powerpoint/2010/main" xmlns="" val="2526714291"/>
       </p:ext>
     </p:extLst>
   </p:cSld>
@@ -570,7 +570,7 @@
     </p:spTree>
     <p:extLst>
       <p:ext uri="{BB962C8B-B14F-4D97-AF65-F5344CB8AC3E}">
-        <p14:creationId xmlns="" xmlns:p14="http://schemas.microsoft.com/office/powerpoint/2010/main" val="87390378"/>
+        <p14:creationId xmlns:p14="http://schemas.microsoft.com/office/powerpoint/2010/main" xmlns="" val="87390378"/>
       </p:ext>
     </p:extLst>
   </p:cSld>
@@ -936,7 +936,7 @@
     </p:spTree>
     <p:extLst>
       <p:ext uri="{BB962C8B-B14F-4D97-AF65-F5344CB8AC3E}">
-        <p14:creationId xmlns="" xmlns:p14="http://schemas.microsoft.com/office/powerpoint/2010/main" val="1206050278"/>
+        <p14:creationId xmlns:p14="http://schemas.microsoft.com/office/powerpoint/2010/main" xmlns="" val="1206050278"/>
       </p:ext>
     </p:extLst>
   </p:cSld>
@@ -4869,7 +4869,7 @@
     </p:spTree>
     <p:extLst>
       <p:ext uri="{BB962C8B-B14F-4D97-AF65-F5344CB8AC3E}">
-        <p14:creationId xmlns="" xmlns:p14="http://schemas.microsoft.com/office/powerpoint/2010/main" val="810987470"/>
+        <p14:creationId xmlns:p14="http://schemas.microsoft.com/office/powerpoint/2010/main" xmlns="" val="810987470"/>
       </p:ext>
     </p:extLst>
   </p:cSld>
@@ -8298,7 +8298,7 @@
     </p:spTree>
     <p:extLst>
       <p:ext uri="{BB962C8B-B14F-4D97-AF65-F5344CB8AC3E}">
-        <p14:creationId xmlns="" xmlns:p14="http://schemas.microsoft.com/office/powerpoint/2010/main" val="1633822352"/>
+        <p14:creationId xmlns:p14="http://schemas.microsoft.com/office/powerpoint/2010/main" xmlns="" val="1633822352"/>
       </p:ext>
     </p:extLst>
   </p:cSld>
@@ -10854,7 +10854,7 @@
     </p:spTree>
     <p:extLst>
       <p:ext uri="{BB962C8B-B14F-4D97-AF65-F5344CB8AC3E}">
-        <p14:creationId xmlns="" xmlns:p14="http://schemas.microsoft.com/office/powerpoint/2010/main" val="3511099636"/>
+        <p14:creationId xmlns:p14="http://schemas.microsoft.com/office/powerpoint/2010/main" xmlns="" val="3511099636"/>
       </p:ext>
     </p:extLst>
   </p:cSld>
@@ -13593,7 +13593,7 @@
     </p:spTree>
     <p:extLst>
       <p:ext uri="{BB962C8B-B14F-4D97-AF65-F5344CB8AC3E}">
-        <p14:creationId xmlns="" xmlns:p14="http://schemas.microsoft.com/office/powerpoint/2010/main" val="1209133815"/>
+        <p14:creationId xmlns:p14="http://schemas.microsoft.com/office/powerpoint/2010/main" xmlns="" val="1209133815"/>
       </p:ext>
     </p:extLst>
   </p:cSld>
@@ -15295,7 +15295,7 @@
     </p:spTree>
     <p:extLst>
       <p:ext uri="{BB962C8B-B14F-4D97-AF65-F5344CB8AC3E}">
-        <p14:creationId xmlns="" xmlns:p14="http://schemas.microsoft.com/office/powerpoint/2010/main" val="3968277145"/>
+        <p14:creationId xmlns:p14="http://schemas.microsoft.com/office/powerpoint/2010/main" xmlns="" val="3968277145"/>
       </p:ext>
     </p:extLst>
   </p:cSld>
@@ -15366,7 +15366,7 @@
           <p:nvPr>
             <p:extLst>
               <p:ext uri="{D42A27DB-BD31-4B8C-83A1-F6EECF244321}">
-                <p14:modId xmlns="" xmlns:p14="http://schemas.microsoft.com/office/powerpoint/2010/main" val="4248015792"/>
+                <p14:modId xmlns:p14="http://schemas.microsoft.com/office/powerpoint/2010/main" xmlns="" val="4248015792"/>
               </p:ext>
             </p:extLst>
           </p:nvPr>
@@ -16810,7 +16810,7 @@
           <p:nvPr>
             <p:extLst>
               <p:ext uri="{D42A27DB-BD31-4B8C-83A1-F6EECF244321}">
-                <p14:modId xmlns="" xmlns:p14="http://schemas.microsoft.com/office/powerpoint/2010/main" val="578830796"/>
+                <p14:modId xmlns:p14="http://schemas.microsoft.com/office/powerpoint/2010/main" xmlns="" val="578830796"/>
               </p:ext>
             </p:extLst>
           </p:nvPr>
@@ -17067,7 +17067,7 @@
     </p:spTree>
     <p:extLst>
       <p:ext uri="{BB962C8B-B14F-4D97-AF65-F5344CB8AC3E}">
-        <p14:creationId xmlns="" xmlns:p14="http://schemas.microsoft.com/office/powerpoint/2010/main" val="3853142391"/>
+        <p14:creationId xmlns:p14="http://schemas.microsoft.com/office/powerpoint/2010/main" xmlns="" val="3853142391"/>
       </p:ext>
     </p:extLst>
   </p:cSld>
@@ -17201,7 +17201,7 @@
           <p:nvPr>
             <p:extLst>
               <p:ext uri="{D42A27DB-BD31-4B8C-83A1-F6EECF244321}">
-                <p14:modId xmlns="" xmlns:p14="http://schemas.microsoft.com/office/powerpoint/2010/main" val="3392906175"/>
+                <p14:modId xmlns:p14="http://schemas.microsoft.com/office/powerpoint/2010/main" xmlns="" val="3392906175"/>
               </p:ext>
             </p:extLst>
           </p:nvPr>
@@ -17926,7 +17926,7 @@
     </p:spTree>
     <p:extLst>
       <p:ext uri="{BB962C8B-B14F-4D97-AF65-F5344CB8AC3E}">
-        <p14:creationId xmlns="" xmlns:p14="http://schemas.microsoft.com/office/powerpoint/2010/main" val="1016822322"/>
+        <p14:creationId xmlns:p14="http://schemas.microsoft.com/office/powerpoint/2010/main" xmlns="" val="1016822322"/>
       </p:ext>
     </p:extLst>
   </p:cSld>
@@ -17991,7 +17991,7 @@
     </p:spTree>
     <p:extLst>
       <p:ext uri="{BB962C8B-B14F-4D97-AF65-F5344CB8AC3E}">
-        <p14:creationId xmlns="" xmlns:p14="http://schemas.microsoft.com/office/powerpoint/2010/main" val="1016822322"/>
+        <p14:creationId xmlns:p14="http://schemas.microsoft.com/office/powerpoint/2010/main" xmlns="" val="1016822322"/>
       </p:ext>
     </p:extLst>
   </p:cSld>
@@ -18349,7 +18349,7 @@
     </p:spTree>
     <p:extLst>
       <p:ext uri="{BB962C8B-B14F-4D97-AF65-F5344CB8AC3E}">
-        <p14:creationId xmlns="" xmlns:p14="http://schemas.microsoft.com/office/powerpoint/2010/main" val="1016822322"/>
+        <p14:creationId xmlns:p14="http://schemas.microsoft.com/office/powerpoint/2010/main" xmlns="" val="1016822322"/>
       </p:ext>
     </p:extLst>
   </p:cSld>
@@ -18522,7 +18522,7 @@
     </p:spTree>
     <p:extLst>
       <p:ext uri="{BB962C8B-B14F-4D97-AF65-F5344CB8AC3E}">
-        <p14:creationId xmlns="" xmlns:p14="http://schemas.microsoft.com/office/powerpoint/2010/main" val="1016822322"/>
+        <p14:creationId xmlns:p14="http://schemas.microsoft.com/office/powerpoint/2010/main" xmlns="" val="1016822322"/>
       </p:ext>
     </p:extLst>
   </p:cSld>
@@ -19053,12 +19053,19 @@
             <a:avLst/>
           </a:prstGeom>
           <a:noFill/>
+          <a:effectLst>
+            <a:outerShdw blurRad="50800" dist="38100" dir="2700000" algn="tl" rotWithShape="0">
+              <a:prstClr val="black">
+                <a:alpha val="40000"/>
+              </a:prstClr>
+            </a:outerShdw>
+          </a:effectLst>
         </p:spPr>
       </p:pic>
     </p:spTree>
     <p:extLst>
       <p:ext uri="{BB962C8B-B14F-4D97-AF65-F5344CB8AC3E}">
-        <p14:creationId xmlns="" xmlns:p14="http://schemas.microsoft.com/office/powerpoint/2010/main" val="1497228068"/>
+        <p14:creationId xmlns:p14="http://schemas.microsoft.com/office/powerpoint/2010/main" xmlns="" val="1497228068"/>
       </p:ext>
     </p:extLst>
   </p:cSld>
@@ -20235,7 +20242,7 @@
     </p:spTree>
     <p:extLst>
       <p:ext uri="{BB962C8B-B14F-4D97-AF65-F5344CB8AC3E}">
-        <p14:creationId xmlns="" xmlns:p14="http://schemas.microsoft.com/office/powerpoint/2010/main" val="1944192708"/>
+        <p14:creationId xmlns:p14="http://schemas.microsoft.com/office/powerpoint/2010/main" xmlns="" val="1944192708"/>
       </p:ext>
     </p:extLst>
   </p:cSld>
@@ -21421,7 +21428,7 @@
     </p:spTree>
     <p:extLst>
       <p:ext uri="{BB962C8B-B14F-4D97-AF65-F5344CB8AC3E}">
-        <p14:creationId xmlns="" xmlns:p14="http://schemas.microsoft.com/office/powerpoint/2010/main" val="4012865765"/>
+        <p14:creationId xmlns:p14="http://schemas.microsoft.com/office/powerpoint/2010/main" xmlns="" val="4012865765"/>
       </p:ext>
     </p:extLst>
   </p:cSld>
@@ -23528,7 +23535,7 @@
     </p:spTree>
     <p:extLst>
       <p:ext uri="{BB962C8B-B14F-4D97-AF65-F5344CB8AC3E}">
-        <p14:creationId xmlns="" xmlns:p14="http://schemas.microsoft.com/office/powerpoint/2010/main" val="3534325902"/>
+        <p14:creationId xmlns:p14="http://schemas.microsoft.com/office/powerpoint/2010/main" xmlns="" val="3534325902"/>
       </p:ext>
     </p:extLst>
   </p:cSld>
@@ -28569,7 +28576,7 @@
     </p:spTree>
     <p:extLst>
       <p:ext uri="{BB962C8B-B14F-4D97-AF65-F5344CB8AC3E}">
-        <p14:creationId xmlns="" xmlns:p14="http://schemas.microsoft.com/office/powerpoint/2010/main" val="3297713618"/>
+        <p14:creationId xmlns:p14="http://schemas.microsoft.com/office/powerpoint/2010/main" xmlns="" val="3297713618"/>
       </p:ext>
     </p:extLst>
   </p:cSld>
@@ -30175,7 +30182,7 @@
     </p:spTree>
     <p:extLst>
       <p:ext uri="{BB962C8B-B14F-4D97-AF65-F5344CB8AC3E}">
-        <p14:creationId xmlns="" xmlns:p14="http://schemas.microsoft.com/office/powerpoint/2010/main" val="1605853429"/>
+        <p14:creationId xmlns:p14="http://schemas.microsoft.com/office/powerpoint/2010/main" xmlns="" val="1605853429"/>
       </p:ext>
     </p:extLst>
   </p:cSld>
@@ -32684,7 +32691,7 @@
     </p:spTree>
     <p:extLst>
       <p:ext uri="{BB962C8B-B14F-4D97-AF65-F5344CB8AC3E}">
-        <p14:creationId xmlns="" xmlns:p14="http://schemas.microsoft.com/office/powerpoint/2010/main" val="4235807130"/>
+        <p14:creationId xmlns:p14="http://schemas.microsoft.com/office/powerpoint/2010/main" xmlns="" val="4235807130"/>
       </p:ext>
     </p:extLst>
   </p:cSld>
@@ -36225,7 +36232,7 @@
     </p:spTree>
     <p:extLst>
       <p:ext uri="{BB962C8B-B14F-4D97-AF65-F5344CB8AC3E}">
-        <p14:creationId xmlns="" xmlns:p14="http://schemas.microsoft.com/office/powerpoint/2010/main" val="2092042626"/>
+        <p14:creationId xmlns:p14="http://schemas.microsoft.com/office/powerpoint/2010/main" xmlns="" val="2092042626"/>
       </p:ext>
     </p:extLst>
   </p:cSld>

--- a/PM.overview/PM -- PMBoK 5 Brief Overview -- Oleksiy Rudenko (150417 eng).pptx
+++ b/PM.overview/PM -- PMBoK 5 Brief Overview -- Oleksiy Rudenko (150417 eng).pptx
@@ -126,7 +126,7 @@
   </p:defaultTextStyle>
   <p:extLst>
     <p:ext uri="{EFAFB233-063F-42B5-8137-9DF3F51BA10A}">
-      <p15:sldGuideLst xmlns:p15="http://schemas.microsoft.com/office/powerpoint/2012/main" xmlns="">
+      <p15:sldGuideLst xmlns:p15="http://schemas.microsoft.com/office/powerpoint/2012/main">
         <p15:guide id="1" orient="horz" pos="2160">
           <p15:clr>
             <a:srgbClr val="A4A3A4"/>
@@ -226,7 +226,7 @@
             <a:fld id="{E8702937-2E79-4947-A219-566CD1B367D7}" type="datetimeFigureOut">
               <a:rPr lang="uk-UA" smtClean="0"/>
               <a:pPr/>
-              <a:t>17.04.2015</a:t>
+              <a:t>18.04.2015</a:t>
             </a:fld>
             <a:endParaRPr lang="uk-UA"/>
           </a:p>
@@ -395,7 +395,7 @@
     </p:spTree>
     <p:extLst>
       <p:ext uri="{BB962C8B-B14F-4D97-AF65-F5344CB8AC3E}">
-        <p14:creationId xmlns:p14="http://schemas.microsoft.com/office/powerpoint/2010/main" xmlns="" val="2526714291"/>
+        <p14:creationId xmlns:p14="http://schemas.microsoft.com/office/powerpoint/2010/main" val="2526714291"/>
       </p:ext>
     </p:extLst>
   </p:cSld>
@@ -570,7 +570,7 @@
     </p:spTree>
     <p:extLst>
       <p:ext uri="{BB962C8B-B14F-4D97-AF65-F5344CB8AC3E}">
-        <p14:creationId xmlns:p14="http://schemas.microsoft.com/office/powerpoint/2010/main" xmlns="" val="87390378"/>
+        <p14:creationId xmlns:p14="http://schemas.microsoft.com/office/powerpoint/2010/main" val="87390378"/>
       </p:ext>
     </p:extLst>
   </p:cSld>
@@ -655,7 +655,7 @@
             <a:fld id="{B4C71EC6-210F-42DE-9C53-41977AD35B3D}" type="datetimeFigureOut">
               <a:rPr lang="ru-RU" smtClean="0"/>
               <a:pPr/>
-              <a:t>17.04.2015</a:t>
+              <a:t>18.04.2015</a:t>
             </a:fld>
             <a:endParaRPr lang="ru-RU"/>
           </a:p>
@@ -936,7 +936,7 @@
     </p:spTree>
     <p:extLst>
       <p:ext uri="{BB962C8B-B14F-4D97-AF65-F5344CB8AC3E}">
-        <p14:creationId xmlns:p14="http://schemas.microsoft.com/office/powerpoint/2010/main" xmlns="" val="1206050278"/>
+        <p14:creationId xmlns:p14="http://schemas.microsoft.com/office/powerpoint/2010/main" val="1206050278"/>
       </p:ext>
     </p:extLst>
   </p:cSld>
@@ -1146,7 +1146,7 @@
             <a:fld id="{B4C71EC6-210F-42DE-9C53-41977AD35B3D}" type="datetimeFigureOut">
               <a:rPr lang="ru-RU" smtClean="0"/>
               <a:pPr/>
-              <a:t>17.04.2015</a:t>
+              <a:t>18.04.2015</a:t>
             </a:fld>
             <a:endParaRPr lang="ru-RU"/>
           </a:p>
@@ -1313,7 +1313,7 @@
             <a:fld id="{B4C71EC6-210F-42DE-9C53-41977AD35B3D}" type="datetimeFigureOut">
               <a:rPr lang="ru-RU" smtClean="0"/>
               <a:pPr/>
-              <a:t>17.04.2015</a:t>
+              <a:t>18.04.2015</a:t>
             </a:fld>
             <a:endParaRPr lang="ru-RU"/>
           </a:p>
@@ -1490,7 +1490,7 @@
             <a:fld id="{B4C71EC6-210F-42DE-9C53-41977AD35B3D}" type="datetimeFigureOut">
               <a:rPr lang="ru-RU" smtClean="0"/>
               <a:pPr/>
-              <a:t>17.04.2015</a:t>
+              <a:t>18.04.2015</a:t>
             </a:fld>
             <a:endParaRPr lang="ru-RU"/>
           </a:p>
@@ -1729,7 +1729,7 @@
             <a:fld id="{B4C71EC6-210F-42DE-9C53-41977AD35B3D}" type="datetimeFigureOut">
               <a:rPr lang="ru-RU" smtClean="0"/>
               <a:pPr/>
-              <a:t>17.04.2015</a:t>
+              <a:t>18.04.2015</a:t>
             </a:fld>
             <a:endParaRPr lang="ru-RU"/>
           </a:p>
@@ -1903,7 +1903,7 @@
             <a:fld id="{B4C71EC6-210F-42DE-9C53-41977AD35B3D}" type="datetimeFigureOut">
               <a:rPr lang="ru-RU" smtClean="0"/>
               <a:pPr/>
-              <a:t>17.04.2015</a:t>
+              <a:t>18.04.2015</a:t>
             </a:fld>
             <a:endParaRPr lang="ru-RU"/>
           </a:p>
@@ -2153,7 +2153,7 @@
             <a:fld id="{B4C71EC6-210F-42DE-9C53-41977AD35B3D}" type="datetimeFigureOut">
               <a:rPr lang="ru-RU" smtClean="0"/>
               <a:pPr/>
-              <a:t>17.04.2015</a:t>
+              <a:t>18.04.2015</a:t>
             </a:fld>
             <a:endParaRPr lang="ru-RU"/>
           </a:p>
@@ -2438,7 +2438,7 @@
             <a:fld id="{B4C71EC6-210F-42DE-9C53-41977AD35B3D}" type="datetimeFigureOut">
               <a:rPr lang="ru-RU" smtClean="0"/>
               <a:pPr/>
-              <a:t>17.04.2015</a:t>
+              <a:t>18.04.2015</a:t>
             </a:fld>
             <a:endParaRPr lang="ru-RU"/>
           </a:p>
@@ -2857,7 +2857,7 @@
             <a:fld id="{B4C71EC6-210F-42DE-9C53-41977AD35B3D}" type="datetimeFigureOut">
               <a:rPr lang="ru-RU" smtClean="0"/>
               <a:pPr/>
-              <a:t>17.04.2015</a:t>
+              <a:t>18.04.2015</a:t>
             </a:fld>
             <a:endParaRPr lang="ru-RU"/>
           </a:p>
@@ -2972,7 +2972,7 @@
             <a:fld id="{B4C71EC6-210F-42DE-9C53-41977AD35B3D}" type="datetimeFigureOut">
               <a:rPr lang="ru-RU" smtClean="0"/>
               <a:pPr/>
-              <a:t>17.04.2015</a:t>
+              <a:t>18.04.2015</a:t>
             </a:fld>
             <a:endParaRPr lang="ru-RU"/>
           </a:p>
@@ -3064,7 +3064,7 @@
             <a:fld id="{B4C71EC6-210F-42DE-9C53-41977AD35B3D}" type="datetimeFigureOut">
               <a:rPr lang="ru-RU" smtClean="0"/>
               <a:pPr/>
-              <a:t>17.04.2015</a:t>
+              <a:t>18.04.2015</a:t>
             </a:fld>
             <a:endParaRPr lang="ru-RU"/>
           </a:p>
@@ -3345,7 +3345,7 @@
             <a:fld id="{B4C71EC6-210F-42DE-9C53-41977AD35B3D}" type="datetimeFigureOut">
               <a:rPr lang="ru-RU" smtClean="0"/>
               <a:pPr/>
-              <a:t>17.04.2015</a:t>
+              <a:t>18.04.2015</a:t>
             </a:fld>
             <a:endParaRPr lang="ru-RU"/>
           </a:p>
@@ -3560,7 +3560,7 @@
             <a:fld id="{B4C71EC6-210F-42DE-9C53-41977AD35B3D}" type="datetimeFigureOut">
               <a:rPr lang="ru-RU" smtClean="0"/>
               <a:pPr/>
-              <a:t>17.04.2015</a:t>
+              <a:t>18.04.2015</a:t>
             </a:fld>
             <a:endParaRPr lang="ru-RU"/>
           </a:p>
@@ -4869,7 +4869,7 @@
     </p:spTree>
     <p:extLst>
       <p:ext uri="{BB962C8B-B14F-4D97-AF65-F5344CB8AC3E}">
-        <p14:creationId xmlns:p14="http://schemas.microsoft.com/office/powerpoint/2010/main" xmlns="" val="810987470"/>
+        <p14:creationId xmlns:p14="http://schemas.microsoft.com/office/powerpoint/2010/main" val="810987470"/>
       </p:ext>
     </p:extLst>
   </p:cSld>
@@ -8298,7 +8298,7 @@
     </p:spTree>
     <p:extLst>
       <p:ext uri="{BB962C8B-B14F-4D97-AF65-F5344CB8AC3E}">
-        <p14:creationId xmlns:p14="http://schemas.microsoft.com/office/powerpoint/2010/main" xmlns="" val="1633822352"/>
+        <p14:creationId xmlns:p14="http://schemas.microsoft.com/office/powerpoint/2010/main" val="1633822352"/>
       </p:ext>
     </p:extLst>
   </p:cSld>
@@ -8397,7 +8397,7 @@
                               <p:par>
                                 <p:cTn id="10" presetID="10" presetClass="exit" presetSubtype="0" fill="hold" nodeType="afterEffect">
                                   <p:stCondLst>
-                                    <p:cond delay="500"/>
+                                    <p:cond delay="1000"/>
                                   </p:stCondLst>
                                   <p:childTnLst>
                                     <p:animEffect transition="out" filter="fade">
@@ -8432,7 +8432,7 @@
                               <p:par>
                                 <p:cTn id="13" presetID="10" presetClass="exit" presetSubtype="0" fill="hold" nodeType="withEffect">
                                   <p:stCondLst>
-                                    <p:cond delay="500"/>
+                                    <p:cond delay="1000"/>
                                   </p:stCondLst>
                                   <p:childTnLst>
                                     <p:animEffect transition="out" filter="fade">
@@ -8467,7 +8467,7 @@
                               <p:par>
                                 <p:cTn id="16" presetID="10" presetClass="exit" presetSubtype="0" fill="hold" nodeType="withEffect">
                                   <p:stCondLst>
-                                    <p:cond delay="500"/>
+                                    <p:cond delay="1000"/>
                                   </p:stCondLst>
                                   <p:childTnLst>
                                     <p:animEffect transition="out" filter="fade">
@@ -8502,7 +8502,7 @@
                               <p:par>
                                 <p:cTn id="19" presetID="53" presetClass="entr" presetSubtype="16" fill="hold" nodeType="withEffect">
                                   <p:stCondLst>
-                                    <p:cond delay="500"/>
+                                    <p:cond delay="1000"/>
                                   </p:stCondLst>
                                   <p:childTnLst>
                                     <p:set>
@@ -8583,7 +8583,7 @@
                               <p:par>
                                 <p:cTn id="24" presetID="53" presetClass="entr" presetSubtype="16" fill="hold" nodeType="withEffect">
                                   <p:stCondLst>
-                                    <p:cond delay="500"/>
+                                    <p:cond delay="1000"/>
                                   </p:stCondLst>
                                   <p:childTnLst>
                                     <p:set>
@@ -8664,7 +8664,7 @@
                               <p:par>
                                 <p:cTn id="29" presetID="53" presetClass="entr" presetSubtype="16" fill="hold" nodeType="withEffect">
                                   <p:stCondLst>
-                                    <p:cond delay="500"/>
+                                    <p:cond delay="1000"/>
                                   </p:stCondLst>
                                   <p:childTnLst>
                                     <p:set>
@@ -8745,7 +8745,7 @@
                               <p:par>
                                 <p:cTn id="34" presetID="42" presetClass="path" presetSubtype="0" accel="50000" decel="50000" fill="hold" nodeType="withEffect">
                                   <p:stCondLst>
-                                    <p:cond delay="500"/>
+                                    <p:cond delay="1000"/>
                                   </p:stCondLst>
                                   <p:childTnLst>
                                     <p:animMotion origin="layout" path="M -0.68056 0.32546 L 1.94444E-6 0 " pathEditMode="relative" rAng="0" ptsTypes="AA">
@@ -10854,7 +10854,7 @@
     </p:spTree>
     <p:extLst>
       <p:ext uri="{BB962C8B-B14F-4D97-AF65-F5344CB8AC3E}">
-        <p14:creationId xmlns:p14="http://schemas.microsoft.com/office/powerpoint/2010/main" xmlns="" val="3511099636"/>
+        <p14:creationId xmlns:p14="http://schemas.microsoft.com/office/powerpoint/2010/main" val="3511099636"/>
       </p:ext>
     </p:extLst>
   </p:cSld>
@@ -13593,7 +13593,7 @@
     </p:spTree>
     <p:extLst>
       <p:ext uri="{BB962C8B-B14F-4D97-AF65-F5344CB8AC3E}">
-        <p14:creationId xmlns:p14="http://schemas.microsoft.com/office/powerpoint/2010/main" xmlns="" val="1209133815"/>
+        <p14:creationId xmlns:p14="http://schemas.microsoft.com/office/powerpoint/2010/main" val="1209133815"/>
       </p:ext>
     </p:extLst>
   </p:cSld>
@@ -15295,7 +15295,7 @@
     </p:spTree>
     <p:extLst>
       <p:ext uri="{BB962C8B-B14F-4D97-AF65-F5344CB8AC3E}">
-        <p14:creationId xmlns:p14="http://schemas.microsoft.com/office/powerpoint/2010/main" xmlns="" val="3968277145"/>
+        <p14:creationId xmlns:p14="http://schemas.microsoft.com/office/powerpoint/2010/main" val="3968277145"/>
       </p:ext>
     </p:extLst>
   </p:cSld>
@@ -15366,7 +15366,7 @@
           <p:nvPr>
             <p:extLst>
               <p:ext uri="{D42A27DB-BD31-4B8C-83A1-F6EECF244321}">
-                <p14:modId xmlns:p14="http://schemas.microsoft.com/office/powerpoint/2010/main" xmlns="" val="4248015792"/>
+                <p14:modId xmlns:p14="http://schemas.microsoft.com/office/powerpoint/2010/main" val="4248015792"/>
               </p:ext>
             </p:extLst>
           </p:nvPr>
@@ -16810,7 +16810,7 @@
           <p:nvPr>
             <p:extLst>
               <p:ext uri="{D42A27DB-BD31-4B8C-83A1-F6EECF244321}">
-                <p14:modId xmlns:p14="http://schemas.microsoft.com/office/powerpoint/2010/main" xmlns="" val="578830796"/>
+                <p14:modId xmlns:p14="http://schemas.microsoft.com/office/powerpoint/2010/main" val="578830796"/>
               </p:ext>
             </p:extLst>
           </p:nvPr>
@@ -17067,7 +17067,7 @@
     </p:spTree>
     <p:extLst>
       <p:ext uri="{BB962C8B-B14F-4D97-AF65-F5344CB8AC3E}">
-        <p14:creationId xmlns:p14="http://schemas.microsoft.com/office/powerpoint/2010/main" xmlns="" val="3853142391"/>
+        <p14:creationId xmlns:p14="http://schemas.microsoft.com/office/powerpoint/2010/main" val="3853142391"/>
       </p:ext>
     </p:extLst>
   </p:cSld>
@@ -17201,7 +17201,7 @@
           <p:nvPr>
             <p:extLst>
               <p:ext uri="{D42A27DB-BD31-4B8C-83A1-F6EECF244321}">
-                <p14:modId xmlns:p14="http://schemas.microsoft.com/office/powerpoint/2010/main" xmlns="" val="3392906175"/>
+                <p14:modId xmlns:p14="http://schemas.microsoft.com/office/powerpoint/2010/main" val="3392906175"/>
               </p:ext>
             </p:extLst>
           </p:nvPr>
@@ -17926,7 +17926,7 @@
     </p:spTree>
     <p:extLst>
       <p:ext uri="{BB962C8B-B14F-4D97-AF65-F5344CB8AC3E}">
-        <p14:creationId xmlns:p14="http://schemas.microsoft.com/office/powerpoint/2010/main" xmlns="" val="1016822322"/>
+        <p14:creationId xmlns:p14="http://schemas.microsoft.com/office/powerpoint/2010/main" val="1016822322"/>
       </p:ext>
     </p:extLst>
   </p:cSld>
@@ -17991,7 +17991,7 @@
     </p:spTree>
     <p:extLst>
       <p:ext uri="{BB962C8B-B14F-4D97-AF65-F5344CB8AC3E}">
-        <p14:creationId xmlns:p14="http://schemas.microsoft.com/office/powerpoint/2010/main" xmlns="" val="1016822322"/>
+        <p14:creationId xmlns:p14="http://schemas.microsoft.com/office/powerpoint/2010/main" val="1016822322"/>
       </p:ext>
     </p:extLst>
   </p:cSld>
@@ -18349,7 +18349,7 @@
     </p:spTree>
     <p:extLst>
       <p:ext uri="{BB962C8B-B14F-4D97-AF65-F5344CB8AC3E}">
-        <p14:creationId xmlns:p14="http://schemas.microsoft.com/office/powerpoint/2010/main" xmlns="" val="1016822322"/>
+        <p14:creationId xmlns:p14="http://schemas.microsoft.com/office/powerpoint/2010/main" val="1016822322"/>
       </p:ext>
     </p:extLst>
   </p:cSld>
@@ -18522,7 +18522,7 @@
     </p:spTree>
     <p:extLst>
       <p:ext uri="{BB962C8B-B14F-4D97-AF65-F5344CB8AC3E}">
-        <p14:creationId xmlns:p14="http://schemas.microsoft.com/office/powerpoint/2010/main" xmlns="" val="1016822322"/>
+        <p14:creationId xmlns:p14="http://schemas.microsoft.com/office/powerpoint/2010/main" val="1016822322"/>
       </p:ext>
     </p:extLst>
   </p:cSld>
@@ -18975,7 +18975,7 @@
             <a:r>
               <a:rPr lang="en-US" noProof="1" smtClean="0">
                 <a:solidFill>
-                  <a:srgbClr val="0070C0"/>
+                  <a:srgbClr val="0000FF"/>
                 </a:solidFill>
                 <a:latin typeface="Arial" panose="020B0604020202020204" pitchFamily="34" charset="0"/>
                 <a:cs typeface="Arial" panose="020B0604020202020204" pitchFamily="34" charset="0"/>
@@ -18988,7 +18988,7 @@
             <a:r>
               <a:rPr lang="en-US" noProof="1" smtClean="0">
                 <a:solidFill>
-                  <a:srgbClr val="0070C0"/>
+                  <a:srgbClr val="0000FF"/>
                 </a:solidFill>
                 <a:latin typeface="Arial" panose="020B0604020202020204" pitchFamily="34" charset="0"/>
                 <a:cs typeface="Arial" panose="020B0604020202020204" pitchFamily="34" charset="0"/>
@@ -19000,7 +19000,7 @@
             <a:pPr algn="just"/>
             <a:endParaRPr lang="en-US" noProof="1" smtClean="0">
               <a:solidFill>
-                <a:srgbClr val="0070C0"/>
+                <a:srgbClr val="0000FF"/>
               </a:solidFill>
               <a:latin typeface="Arial" panose="020B0604020202020204" pitchFamily="34" charset="0"/>
               <a:cs typeface="Arial" panose="020B0604020202020204" pitchFamily="34" charset="0"/>
@@ -19011,7 +19011,7 @@
             <a:r>
               <a:rPr lang="en-US" sz="1400" noProof="1" smtClean="0">
                 <a:solidFill>
-                  <a:srgbClr val="0070C0"/>
+                  <a:srgbClr val="0000FF"/>
                 </a:solidFill>
                 <a:latin typeface="Arial" panose="020B0604020202020204" pitchFamily="34" charset="0"/>
                 <a:cs typeface="Arial" panose="020B0604020202020204" pitchFamily="34" charset="0"/>
@@ -19021,7 +19021,7 @@
             </a:r>
             <a:endParaRPr lang="en-US" sz="1400" noProof="1" smtClean="0">
               <a:solidFill>
-                <a:srgbClr val="0070C0"/>
+                <a:srgbClr val="0000FF"/>
               </a:solidFill>
               <a:latin typeface="Arial" panose="020B0604020202020204" pitchFamily="34" charset="0"/>
               <a:cs typeface="Arial" panose="020B0604020202020204" pitchFamily="34" charset="0"/>
@@ -19065,7 +19065,7 @@
     </p:spTree>
     <p:extLst>
       <p:ext uri="{BB962C8B-B14F-4D97-AF65-F5344CB8AC3E}">
-        <p14:creationId xmlns:p14="http://schemas.microsoft.com/office/powerpoint/2010/main" xmlns="" val="1497228068"/>
+        <p14:creationId xmlns:p14="http://schemas.microsoft.com/office/powerpoint/2010/main" val="1497228068"/>
       </p:ext>
     </p:extLst>
   </p:cSld>
@@ -20242,7 +20242,7 @@
     </p:spTree>
     <p:extLst>
       <p:ext uri="{BB962C8B-B14F-4D97-AF65-F5344CB8AC3E}">
-        <p14:creationId xmlns:p14="http://schemas.microsoft.com/office/powerpoint/2010/main" xmlns="" val="1944192708"/>
+        <p14:creationId xmlns:p14="http://schemas.microsoft.com/office/powerpoint/2010/main" val="1944192708"/>
       </p:ext>
     </p:extLst>
   </p:cSld>
@@ -21428,7 +21428,7 @@
     </p:spTree>
     <p:extLst>
       <p:ext uri="{BB962C8B-B14F-4D97-AF65-F5344CB8AC3E}">
-        <p14:creationId xmlns:p14="http://schemas.microsoft.com/office/powerpoint/2010/main" xmlns="" val="4012865765"/>
+        <p14:creationId xmlns:p14="http://schemas.microsoft.com/office/powerpoint/2010/main" val="4012865765"/>
       </p:ext>
     </p:extLst>
   </p:cSld>
@@ -23535,7 +23535,7 @@
     </p:spTree>
     <p:extLst>
       <p:ext uri="{BB962C8B-B14F-4D97-AF65-F5344CB8AC3E}">
-        <p14:creationId xmlns:p14="http://schemas.microsoft.com/office/powerpoint/2010/main" xmlns="" val="3534325902"/>
+        <p14:creationId xmlns:p14="http://schemas.microsoft.com/office/powerpoint/2010/main" val="3534325902"/>
       </p:ext>
     </p:extLst>
   </p:cSld>
@@ -28576,7 +28576,7 @@
     </p:spTree>
     <p:extLst>
       <p:ext uri="{BB962C8B-B14F-4D97-AF65-F5344CB8AC3E}">
-        <p14:creationId xmlns:p14="http://schemas.microsoft.com/office/powerpoint/2010/main" xmlns="" val="3297713618"/>
+        <p14:creationId xmlns:p14="http://schemas.microsoft.com/office/powerpoint/2010/main" val="3297713618"/>
       </p:ext>
     </p:extLst>
   </p:cSld>
@@ -30182,7 +30182,7 @@
     </p:spTree>
     <p:extLst>
       <p:ext uri="{BB962C8B-B14F-4D97-AF65-F5344CB8AC3E}">
-        <p14:creationId xmlns:p14="http://schemas.microsoft.com/office/powerpoint/2010/main" xmlns="" val="1605853429"/>
+        <p14:creationId xmlns:p14="http://schemas.microsoft.com/office/powerpoint/2010/main" val="1605853429"/>
       </p:ext>
     </p:extLst>
   </p:cSld>
@@ -32691,7 +32691,7 @@
     </p:spTree>
     <p:extLst>
       <p:ext uri="{BB962C8B-B14F-4D97-AF65-F5344CB8AC3E}">
-        <p14:creationId xmlns:p14="http://schemas.microsoft.com/office/powerpoint/2010/main" xmlns="" val="4235807130"/>
+        <p14:creationId xmlns:p14="http://schemas.microsoft.com/office/powerpoint/2010/main" val="4235807130"/>
       </p:ext>
     </p:extLst>
   </p:cSld>
@@ -36232,7 +36232,7 @@
     </p:spTree>
     <p:extLst>
       <p:ext uri="{BB962C8B-B14F-4D97-AF65-F5344CB8AC3E}">
-        <p14:creationId xmlns:p14="http://schemas.microsoft.com/office/powerpoint/2010/main" xmlns="" val="2092042626"/>
+        <p14:creationId xmlns:p14="http://schemas.microsoft.com/office/powerpoint/2010/main" val="2092042626"/>
       </p:ext>
     </p:extLst>
   </p:cSld>

--- a/PM.overview/PM -- PMBoK 5 Brief Overview -- Oleksiy Rudenko (150417 eng).pptx
+++ b/PM.overview/PM -- PMBoK 5 Brief Overview -- Oleksiy Rudenko (150417 eng).pptx
@@ -126,7 +126,7 @@
   </p:defaultTextStyle>
   <p:extLst>
     <p:ext uri="{EFAFB233-063F-42B5-8137-9DF3F51BA10A}">
-      <p15:sldGuideLst xmlns:p15="http://schemas.microsoft.com/office/powerpoint/2012/main">
+      <p15:sldGuideLst xmlns:p15="http://schemas.microsoft.com/office/powerpoint/2012/main" xmlns="">
         <p15:guide id="1" orient="horz" pos="2160">
           <p15:clr>
             <a:srgbClr val="A4A3A4"/>
@@ -226,7 +226,7 @@
             <a:fld id="{E8702937-2E79-4947-A219-566CD1B367D7}" type="datetimeFigureOut">
               <a:rPr lang="uk-UA" smtClean="0"/>
               <a:pPr/>
-              <a:t>18.04.2015</a:t>
+              <a:t>22.04.2015</a:t>
             </a:fld>
             <a:endParaRPr lang="uk-UA"/>
           </a:p>
@@ -395,7 +395,7 @@
     </p:spTree>
     <p:extLst>
       <p:ext uri="{BB962C8B-B14F-4D97-AF65-F5344CB8AC3E}">
-        <p14:creationId xmlns:p14="http://schemas.microsoft.com/office/powerpoint/2010/main" val="2526714291"/>
+        <p14:creationId xmlns:p14="http://schemas.microsoft.com/office/powerpoint/2010/main" xmlns="" val="2526714291"/>
       </p:ext>
     </p:extLst>
   </p:cSld>
@@ -570,7 +570,7 @@
     </p:spTree>
     <p:extLst>
       <p:ext uri="{BB962C8B-B14F-4D97-AF65-F5344CB8AC3E}">
-        <p14:creationId xmlns:p14="http://schemas.microsoft.com/office/powerpoint/2010/main" val="87390378"/>
+        <p14:creationId xmlns:p14="http://schemas.microsoft.com/office/powerpoint/2010/main" xmlns="" val="87390378"/>
       </p:ext>
     </p:extLst>
   </p:cSld>
@@ -655,7 +655,7 @@
             <a:fld id="{B4C71EC6-210F-42DE-9C53-41977AD35B3D}" type="datetimeFigureOut">
               <a:rPr lang="ru-RU" smtClean="0"/>
               <a:pPr/>
-              <a:t>18.04.2015</a:t>
+              <a:t>22.04.2015</a:t>
             </a:fld>
             <a:endParaRPr lang="ru-RU"/>
           </a:p>
@@ -936,7 +936,7 @@
     </p:spTree>
     <p:extLst>
       <p:ext uri="{BB962C8B-B14F-4D97-AF65-F5344CB8AC3E}">
-        <p14:creationId xmlns:p14="http://schemas.microsoft.com/office/powerpoint/2010/main" val="1206050278"/>
+        <p14:creationId xmlns:p14="http://schemas.microsoft.com/office/powerpoint/2010/main" xmlns="" val="1206050278"/>
       </p:ext>
     </p:extLst>
   </p:cSld>
@@ -1146,7 +1146,7 @@
             <a:fld id="{B4C71EC6-210F-42DE-9C53-41977AD35B3D}" type="datetimeFigureOut">
               <a:rPr lang="ru-RU" smtClean="0"/>
               <a:pPr/>
-              <a:t>18.04.2015</a:t>
+              <a:t>22.04.2015</a:t>
             </a:fld>
             <a:endParaRPr lang="ru-RU"/>
           </a:p>
@@ -1313,7 +1313,7 @@
             <a:fld id="{B4C71EC6-210F-42DE-9C53-41977AD35B3D}" type="datetimeFigureOut">
               <a:rPr lang="ru-RU" smtClean="0"/>
               <a:pPr/>
-              <a:t>18.04.2015</a:t>
+              <a:t>22.04.2015</a:t>
             </a:fld>
             <a:endParaRPr lang="ru-RU"/>
           </a:p>
@@ -1490,7 +1490,7 @@
             <a:fld id="{B4C71EC6-210F-42DE-9C53-41977AD35B3D}" type="datetimeFigureOut">
               <a:rPr lang="ru-RU" smtClean="0"/>
               <a:pPr/>
-              <a:t>18.04.2015</a:t>
+              <a:t>22.04.2015</a:t>
             </a:fld>
             <a:endParaRPr lang="ru-RU"/>
           </a:p>
@@ -1729,7 +1729,7 @@
             <a:fld id="{B4C71EC6-210F-42DE-9C53-41977AD35B3D}" type="datetimeFigureOut">
               <a:rPr lang="ru-RU" smtClean="0"/>
               <a:pPr/>
-              <a:t>18.04.2015</a:t>
+              <a:t>22.04.2015</a:t>
             </a:fld>
             <a:endParaRPr lang="ru-RU"/>
           </a:p>
@@ -1903,7 +1903,7 @@
             <a:fld id="{B4C71EC6-210F-42DE-9C53-41977AD35B3D}" type="datetimeFigureOut">
               <a:rPr lang="ru-RU" smtClean="0"/>
               <a:pPr/>
-              <a:t>18.04.2015</a:t>
+              <a:t>22.04.2015</a:t>
             </a:fld>
             <a:endParaRPr lang="ru-RU"/>
           </a:p>
@@ -2153,7 +2153,7 @@
             <a:fld id="{B4C71EC6-210F-42DE-9C53-41977AD35B3D}" type="datetimeFigureOut">
               <a:rPr lang="ru-RU" smtClean="0"/>
               <a:pPr/>
-              <a:t>18.04.2015</a:t>
+              <a:t>22.04.2015</a:t>
             </a:fld>
             <a:endParaRPr lang="ru-RU"/>
           </a:p>
@@ -2438,7 +2438,7 @@
             <a:fld id="{B4C71EC6-210F-42DE-9C53-41977AD35B3D}" type="datetimeFigureOut">
               <a:rPr lang="ru-RU" smtClean="0"/>
               <a:pPr/>
-              <a:t>18.04.2015</a:t>
+              <a:t>22.04.2015</a:t>
             </a:fld>
             <a:endParaRPr lang="ru-RU"/>
           </a:p>
@@ -2857,7 +2857,7 @@
             <a:fld id="{B4C71EC6-210F-42DE-9C53-41977AD35B3D}" type="datetimeFigureOut">
               <a:rPr lang="ru-RU" smtClean="0"/>
               <a:pPr/>
-              <a:t>18.04.2015</a:t>
+              <a:t>22.04.2015</a:t>
             </a:fld>
             <a:endParaRPr lang="ru-RU"/>
           </a:p>
@@ -2972,7 +2972,7 @@
             <a:fld id="{B4C71EC6-210F-42DE-9C53-41977AD35B3D}" type="datetimeFigureOut">
               <a:rPr lang="ru-RU" smtClean="0"/>
               <a:pPr/>
-              <a:t>18.04.2015</a:t>
+              <a:t>22.04.2015</a:t>
             </a:fld>
             <a:endParaRPr lang="ru-RU"/>
           </a:p>
@@ -3064,7 +3064,7 @@
             <a:fld id="{B4C71EC6-210F-42DE-9C53-41977AD35B3D}" type="datetimeFigureOut">
               <a:rPr lang="ru-RU" smtClean="0"/>
               <a:pPr/>
-              <a:t>18.04.2015</a:t>
+              <a:t>22.04.2015</a:t>
             </a:fld>
             <a:endParaRPr lang="ru-RU"/>
           </a:p>
@@ -3345,7 +3345,7 @@
             <a:fld id="{B4C71EC6-210F-42DE-9C53-41977AD35B3D}" type="datetimeFigureOut">
               <a:rPr lang="ru-RU" smtClean="0"/>
               <a:pPr/>
-              <a:t>18.04.2015</a:t>
+              <a:t>22.04.2015</a:t>
             </a:fld>
             <a:endParaRPr lang="ru-RU"/>
           </a:p>
@@ -3560,7 +3560,7 @@
             <a:fld id="{B4C71EC6-210F-42DE-9C53-41977AD35B3D}" type="datetimeFigureOut">
               <a:rPr lang="ru-RU" smtClean="0"/>
               <a:pPr/>
-              <a:t>18.04.2015</a:t>
+              <a:t>22.04.2015</a:t>
             </a:fld>
             <a:endParaRPr lang="ru-RU"/>
           </a:p>
@@ -4869,7 +4869,7 @@
     </p:spTree>
     <p:extLst>
       <p:ext uri="{BB962C8B-B14F-4D97-AF65-F5344CB8AC3E}">
-        <p14:creationId xmlns:p14="http://schemas.microsoft.com/office/powerpoint/2010/main" val="810987470"/>
+        <p14:creationId xmlns:p14="http://schemas.microsoft.com/office/powerpoint/2010/main" xmlns="" val="810987470"/>
       </p:ext>
     </p:extLst>
   </p:cSld>
@@ -8298,7 +8298,7 @@
     </p:spTree>
     <p:extLst>
       <p:ext uri="{BB962C8B-B14F-4D97-AF65-F5344CB8AC3E}">
-        <p14:creationId xmlns:p14="http://schemas.microsoft.com/office/powerpoint/2010/main" val="1633822352"/>
+        <p14:creationId xmlns:p14="http://schemas.microsoft.com/office/powerpoint/2010/main" xmlns="" val="1633822352"/>
       </p:ext>
     </p:extLst>
   </p:cSld>
@@ -10854,7 +10854,7 @@
     </p:spTree>
     <p:extLst>
       <p:ext uri="{BB962C8B-B14F-4D97-AF65-F5344CB8AC3E}">
-        <p14:creationId xmlns:p14="http://schemas.microsoft.com/office/powerpoint/2010/main" val="3511099636"/>
+        <p14:creationId xmlns:p14="http://schemas.microsoft.com/office/powerpoint/2010/main" xmlns="" val="3511099636"/>
       </p:ext>
     </p:extLst>
   </p:cSld>
@@ -13593,7 +13593,7 @@
     </p:spTree>
     <p:extLst>
       <p:ext uri="{BB962C8B-B14F-4D97-AF65-F5344CB8AC3E}">
-        <p14:creationId xmlns:p14="http://schemas.microsoft.com/office/powerpoint/2010/main" val="1209133815"/>
+        <p14:creationId xmlns:p14="http://schemas.microsoft.com/office/powerpoint/2010/main" xmlns="" val="1209133815"/>
       </p:ext>
     </p:extLst>
   </p:cSld>
@@ -15295,7 +15295,7 @@
     </p:spTree>
     <p:extLst>
       <p:ext uri="{BB962C8B-B14F-4D97-AF65-F5344CB8AC3E}">
-        <p14:creationId xmlns:p14="http://schemas.microsoft.com/office/powerpoint/2010/main" val="3968277145"/>
+        <p14:creationId xmlns:p14="http://schemas.microsoft.com/office/powerpoint/2010/main" xmlns="" val="3968277145"/>
       </p:ext>
     </p:extLst>
   </p:cSld>
@@ -15366,7 +15366,7 @@
           <p:nvPr>
             <p:extLst>
               <p:ext uri="{D42A27DB-BD31-4B8C-83A1-F6EECF244321}">
-                <p14:modId xmlns:p14="http://schemas.microsoft.com/office/powerpoint/2010/main" val="4248015792"/>
+                <p14:modId xmlns:p14="http://schemas.microsoft.com/office/powerpoint/2010/main" xmlns="" val="4248015792"/>
               </p:ext>
             </p:extLst>
           </p:nvPr>
@@ -16810,7 +16810,7 @@
           <p:nvPr>
             <p:extLst>
               <p:ext uri="{D42A27DB-BD31-4B8C-83A1-F6EECF244321}">
-                <p14:modId xmlns:p14="http://schemas.microsoft.com/office/powerpoint/2010/main" val="578830796"/>
+                <p14:modId xmlns:p14="http://schemas.microsoft.com/office/powerpoint/2010/main" xmlns="" val="578830796"/>
               </p:ext>
             </p:extLst>
           </p:nvPr>
@@ -17067,7 +17067,7 @@
     </p:spTree>
     <p:extLst>
       <p:ext uri="{BB962C8B-B14F-4D97-AF65-F5344CB8AC3E}">
-        <p14:creationId xmlns:p14="http://schemas.microsoft.com/office/powerpoint/2010/main" val="3853142391"/>
+        <p14:creationId xmlns:p14="http://schemas.microsoft.com/office/powerpoint/2010/main" xmlns="" val="3853142391"/>
       </p:ext>
     </p:extLst>
   </p:cSld>
@@ -17201,7 +17201,7 @@
           <p:nvPr>
             <p:extLst>
               <p:ext uri="{D42A27DB-BD31-4B8C-83A1-F6EECF244321}">
-                <p14:modId xmlns:p14="http://schemas.microsoft.com/office/powerpoint/2010/main" val="3392906175"/>
+                <p14:modId xmlns:p14="http://schemas.microsoft.com/office/powerpoint/2010/main" xmlns="" val="3392906175"/>
               </p:ext>
             </p:extLst>
           </p:nvPr>
@@ -17926,7 +17926,7 @@
     </p:spTree>
     <p:extLst>
       <p:ext uri="{BB962C8B-B14F-4D97-AF65-F5344CB8AC3E}">
-        <p14:creationId xmlns:p14="http://schemas.microsoft.com/office/powerpoint/2010/main" val="1016822322"/>
+        <p14:creationId xmlns:p14="http://schemas.microsoft.com/office/powerpoint/2010/main" xmlns="" val="1016822322"/>
       </p:ext>
     </p:extLst>
   </p:cSld>
@@ -17991,7 +17991,7 @@
     </p:spTree>
     <p:extLst>
       <p:ext uri="{BB962C8B-B14F-4D97-AF65-F5344CB8AC3E}">
-        <p14:creationId xmlns:p14="http://schemas.microsoft.com/office/powerpoint/2010/main" val="1016822322"/>
+        <p14:creationId xmlns:p14="http://schemas.microsoft.com/office/powerpoint/2010/main" xmlns="" val="1016822322"/>
       </p:ext>
     </p:extLst>
   </p:cSld>
@@ -18349,7 +18349,7 @@
     </p:spTree>
     <p:extLst>
       <p:ext uri="{BB962C8B-B14F-4D97-AF65-F5344CB8AC3E}">
-        <p14:creationId xmlns:p14="http://schemas.microsoft.com/office/powerpoint/2010/main" val="1016822322"/>
+        <p14:creationId xmlns:p14="http://schemas.microsoft.com/office/powerpoint/2010/main" xmlns="" val="1016822322"/>
       </p:ext>
     </p:extLst>
   </p:cSld>
@@ -18522,7 +18522,7 @@
     </p:spTree>
     <p:extLst>
       <p:ext uri="{BB962C8B-B14F-4D97-AF65-F5344CB8AC3E}">
-        <p14:creationId xmlns:p14="http://schemas.microsoft.com/office/powerpoint/2010/main" val="1016822322"/>
+        <p14:creationId xmlns:p14="http://schemas.microsoft.com/office/powerpoint/2010/main" xmlns="" val="1016822322"/>
       </p:ext>
     </p:extLst>
   </p:cSld>
@@ -18934,8 +18934,8 @@
         </p:nvSpPr>
         <p:spPr>
           <a:xfrm>
-            <a:off x="529208" y="4545124"/>
-            <a:ext cx="2530624" cy="1296144"/>
+            <a:off x="529208" y="4401108"/>
+            <a:ext cx="2998676" cy="1764196"/>
           </a:xfrm>
           <a:prstGeom prst="rect">
             <a:avLst/>
@@ -18975,7 +18975,7 @@
             <a:r>
               <a:rPr lang="en-US" noProof="1" smtClean="0">
                 <a:solidFill>
-                  <a:srgbClr val="0000FF"/>
+                  <a:srgbClr val="0070C0"/>
                 </a:solidFill>
                 <a:latin typeface="Arial" panose="020B0604020202020204" pitchFamily="34" charset="0"/>
                 <a:cs typeface="Arial" panose="020B0604020202020204" pitchFamily="34" charset="0"/>
@@ -18988,7 +18988,7 @@
             <a:r>
               <a:rPr lang="en-US" noProof="1" smtClean="0">
                 <a:solidFill>
-                  <a:srgbClr val="0000FF"/>
+                  <a:srgbClr val="0070C0"/>
                 </a:solidFill>
                 <a:latin typeface="Arial" panose="020B0604020202020204" pitchFamily="34" charset="0"/>
                 <a:cs typeface="Arial" panose="020B0604020202020204" pitchFamily="34" charset="0"/>
@@ -18998,7 +18998,7 @@
           </a:p>
           <a:p>
             <a:pPr algn="just"/>
-            <a:endParaRPr lang="en-US" noProof="1" smtClean="0">
+            <a:endParaRPr lang="en-US" sz="1000" noProof="1" smtClean="0">
               <a:solidFill>
                 <a:srgbClr val="0000FF"/>
               </a:solidFill>
@@ -19019,6 +19019,183 @@
               </a:rPr>
               <a:t>oleksiy.rudenko@gmail.com</a:t>
             </a:r>
+            <a:endParaRPr lang="en-US" sz="1400" noProof="1" smtClean="0">
+              <a:solidFill>
+                <a:srgbClr val="0000FF"/>
+              </a:solidFill>
+              <a:latin typeface="Arial" panose="020B0604020202020204" pitchFamily="34" charset="0"/>
+              <a:cs typeface="Arial" panose="020B0604020202020204" pitchFamily="34" charset="0"/>
+            </a:endParaRPr>
+          </a:p>
+          <a:p>
+            <a:pPr algn="just"/>
+            <a:endParaRPr lang="en-US" sz="1000" noProof="1" smtClean="0">
+              <a:solidFill>
+                <a:srgbClr val="0000FF"/>
+              </a:solidFill>
+              <a:latin typeface="Arial" panose="020B0604020202020204" pitchFamily="34" charset="0"/>
+              <a:cs typeface="Arial" panose="020B0604020202020204" pitchFamily="34" charset="0"/>
+            </a:endParaRPr>
+          </a:p>
+          <a:p>
+            <a:pPr algn="just">
+              <a:defRPr/>
+            </a:pPr>
+            <a:r>
+              <a:rPr lang="en-US" sz="1000" noProof="1" smtClean="0">
+                <a:solidFill>
+                  <a:srgbClr val="0070C0"/>
+                </a:solidFill>
+                <a:latin typeface="Arial" panose="020B0604020202020204" pitchFamily="34" charset="0"/>
+                <a:cs typeface="Arial" panose="020B0604020202020204" pitchFamily="34" charset="0"/>
+                <a:hlinkClick r:id="rId3"/>
+              </a:rPr>
+              <a:t>http</a:t>
+            </a:r>
+            <a:r>
+              <a:rPr lang="en-US" sz="1000" noProof="1" smtClean="0">
+                <a:solidFill>
+                  <a:srgbClr val="0070C0"/>
+                </a:solidFill>
+                <a:latin typeface="Arial" panose="020B0604020202020204" pitchFamily="34" charset="0"/>
+                <a:cs typeface="Arial" panose="020B0604020202020204" pitchFamily="34" charset="0"/>
+                <a:hlinkClick r:id="rId3"/>
+              </a:rPr>
+              <a:t>://</a:t>
+            </a:r>
+            <a:r>
+              <a:rPr lang="en-US" sz="1200" b="1" noProof="1" smtClean="0">
+                <a:solidFill>
+                  <a:srgbClr val="0070C0"/>
+                </a:solidFill>
+                <a:latin typeface="Arial" panose="020B0604020202020204" pitchFamily="34" charset="0"/>
+                <a:cs typeface="Arial" panose="020B0604020202020204" pitchFamily="34" charset="0"/>
+                <a:hlinkClick r:id="rId3"/>
+              </a:rPr>
+              <a:t>fb.com</a:t>
+            </a:r>
+            <a:r>
+              <a:rPr lang="en-US" sz="1200" noProof="1" smtClean="0">
+                <a:solidFill>
+                  <a:srgbClr val="0070C0"/>
+                </a:solidFill>
+                <a:latin typeface="Arial" panose="020B0604020202020204" pitchFamily="34" charset="0"/>
+                <a:cs typeface="Arial" panose="020B0604020202020204" pitchFamily="34" charset="0"/>
+                <a:hlinkClick r:id="rId3"/>
+              </a:rPr>
+              <a:t>/</a:t>
+            </a:r>
+            <a:r>
+              <a:rPr lang="en-US" sz="1200" b="1" noProof="1" smtClean="0">
+                <a:solidFill>
+                  <a:srgbClr val="0070C0"/>
+                </a:solidFill>
+                <a:latin typeface="Arial" panose="020B0604020202020204" pitchFamily="34" charset="0"/>
+                <a:cs typeface="Arial" panose="020B0604020202020204" pitchFamily="34" charset="0"/>
+                <a:hlinkClick r:id="rId3"/>
+              </a:rPr>
+              <a:t>oleksiy.rudenko.5</a:t>
+            </a:r>
+            <a:endParaRPr lang="en-US" sz="1200" b="1" noProof="1" smtClean="0">
+              <a:solidFill>
+                <a:srgbClr val="0070C0"/>
+              </a:solidFill>
+              <a:latin typeface="Arial" panose="020B0604020202020204" pitchFamily="34" charset="0"/>
+              <a:cs typeface="Arial" panose="020B0604020202020204" pitchFamily="34" charset="0"/>
+            </a:endParaRPr>
+          </a:p>
+          <a:p>
+            <a:pPr algn="just">
+              <a:defRPr/>
+            </a:pPr>
+            <a:endParaRPr lang="en-US" sz="1000" b="1" noProof="1" smtClean="0">
+              <a:solidFill>
+                <a:srgbClr val="0070C0"/>
+              </a:solidFill>
+              <a:latin typeface="Arial" panose="020B0604020202020204" pitchFamily="34" charset="0"/>
+              <a:cs typeface="Arial" panose="020B0604020202020204" pitchFamily="34" charset="0"/>
+            </a:endParaRPr>
+          </a:p>
+          <a:p>
+            <a:pPr algn="just">
+              <a:defRPr/>
+            </a:pPr>
+            <a:r>
+              <a:rPr lang="en-US" sz="1000" noProof="1" smtClean="0">
+                <a:solidFill>
+                  <a:srgbClr val="0070C0"/>
+                </a:solidFill>
+                <a:latin typeface="Arial" panose="020B0604020202020204" pitchFamily="34" charset="0"/>
+                <a:cs typeface="Arial" panose="020B0604020202020204" pitchFamily="34" charset="0"/>
+                <a:hlinkClick r:id="rId4"/>
+              </a:rPr>
+              <a:t>http://</a:t>
+            </a:r>
+            <a:r>
+              <a:rPr lang="en-US" sz="1200" b="1" noProof="1" smtClean="0">
+                <a:solidFill>
+                  <a:srgbClr val="0070C0"/>
+                </a:solidFill>
+                <a:latin typeface="Arial" panose="020B0604020202020204" pitchFamily="34" charset="0"/>
+                <a:cs typeface="Arial" panose="020B0604020202020204" pitchFamily="34" charset="0"/>
+                <a:hlinkClick r:id="rId4"/>
+              </a:rPr>
+              <a:t>linkedin.com</a:t>
+            </a:r>
+            <a:r>
+              <a:rPr lang="en-US" sz="1200" noProof="1" smtClean="0">
+                <a:solidFill>
+                  <a:srgbClr val="0070C0"/>
+                </a:solidFill>
+                <a:latin typeface="Arial" panose="020B0604020202020204" pitchFamily="34" charset="0"/>
+                <a:cs typeface="Arial" panose="020B0604020202020204" pitchFamily="34" charset="0"/>
+                <a:hlinkClick r:id="rId4"/>
+              </a:rPr>
+              <a:t>/</a:t>
+            </a:r>
+            <a:r>
+              <a:rPr lang="en-US" sz="1200" b="1" noProof="1" smtClean="0">
+                <a:solidFill>
+                  <a:srgbClr val="0070C0"/>
+                </a:solidFill>
+                <a:latin typeface="Arial" panose="020B0604020202020204" pitchFamily="34" charset="0"/>
+                <a:cs typeface="Arial" panose="020B0604020202020204" pitchFamily="34" charset="0"/>
+                <a:hlinkClick r:id="rId4"/>
+              </a:rPr>
+              <a:t>in</a:t>
+            </a:r>
+            <a:r>
+              <a:rPr lang="en-US" sz="1200" noProof="1" smtClean="0">
+                <a:solidFill>
+                  <a:srgbClr val="0070C0"/>
+                </a:solidFill>
+                <a:latin typeface="Arial" panose="020B0604020202020204" pitchFamily="34" charset="0"/>
+                <a:cs typeface="Arial" panose="020B0604020202020204" pitchFamily="34" charset="0"/>
+                <a:hlinkClick r:id="rId4"/>
+              </a:rPr>
+              <a:t>/</a:t>
+            </a:r>
+            <a:r>
+              <a:rPr lang="en-US" sz="1200" b="1" noProof="1" smtClean="0">
+                <a:solidFill>
+                  <a:srgbClr val="0070C0"/>
+                </a:solidFill>
+                <a:latin typeface="Arial" panose="020B0604020202020204" pitchFamily="34" charset="0"/>
+                <a:cs typeface="Arial" panose="020B0604020202020204" pitchFamily="34" charset="0"/>
+                <a:hlinkClick r:id="rId4"/>
+              </a:rPr>
+              <a:t>oleksiyrudenko</a:t>
+            </a:r>
+            <a:endParaRPr lang="en-US" sz="1400" b="1" noProof="1" smtClean="0">
+              <a:solidFill>
+                <a:srgbClr val="0070C0"/>
+              </a:solidFill>
+              <a:latin typeface="Arial" panose="020B0604020202020204" pitchFamily="34" charset="0"/>
+              <a:cs typeface="Arial" panose="020B0604020202020204" pitchFamily="34" charset="0"/>
+            </a:endParaRPr>
+          </a:p>
+          <a:p>
+            <a:pPr algn="just"/>
             <a:endParaRPr lang="en-US" sz="1400" noProof="1" smtClean="0">
               <a:solidFill>
                 <a:srgbClr val="0000FF"/>
@@ -19038,7 +19215,7 @@
           <p:nvPr/>
         </p:nvPicPr>
         <p:blipFill>
-          <a:blip r:embed="rId3" cstate="print"/>
+          <a:blip r:embed="rId5" cstate="print"/>
           <a:srcRect/>
           <a:stretch>
             <a:fillRect/>
@@ -19065,7 +19242,7 @@
     </p:spTree>
     <p:extLst>
       <p:ext uri="{BB962C8B-B14F-4D97-AF65-F5344CB8AC3E}">
-        <p14:creationId xmlns:p14="http://schemas.microsoft.com/office/powerpoint/2010/main" val="1497228068"/>
+        <p14:creationId xmlns:p14="http://schemas.microsoft.com/office/powerpoint/2010/main" xmlns="" val="1497228068"/>
       </p:ext>
     </p:extLst>
   </p:cSld>
@@ -20242,7 +20419,7 @@
     </p:spTree>
     <p:extLst>
       <p:ext uri="{BB962C8B-B14F-4D97-AF65-F5344CB8AC3E}">
-        <p14:creationId xmlns:p14="http://schemas.microsoft.com/office/powerpoint/2010/main" val="1944192708"/>
+        <p14:creationId xmlns:p14="http://schemas.microsoft.com/office/powerpoint/2010/main" xmlns="" val="1944192708"/>
       </p:ext>
     </p:extLst>
   </p:cSld>
@@ -21428,7 +21605,7 @@
     </p:spTree>
     <p:extLst>
       <p:ext uri="{BB962C8B-B14F-4D97-AF65-F5344CB8AC3E}">
-        <p14:creationId xmlns:p14="http://schemas.microsoft.com/office/powerpoint/2010/main" val="4012865765"/>
+        <p14:creationId xmlns:p14="http://schemas.microsoft.com/office/powerpoint/2010/main" xmlns="" val="4012865765"/>
       </p:ext>
     </p:extLst>
   </p:cSld>
@@ -23535,7 +23712,7 @@
     </p:spTree>
     <p:extLst>
       <p:ext uri="{BB962C8B-B14F-4D97-AF65-F5344CB8AC3E}">
-        <p14:creationId xmlns:p14="http://schemas.microsoft.com/office/powerpoint/2010/main" val="3534325902"/>
+        <p14:creationId xmlns:p14="http://schemas.microsoft.com/office/powerpoint/2010/main" xmlns="" val="3534325902"/>
       </p:ext>
     </p:extLst>
   </p:cSld>
@@ -28576,7 +28753,7 @@
     </p:spTree>
     <p:extLst>
       <p:ext uri="{BB962C8B-B14F-4D97-AF65-F5344CB8AC3E}">
-        <p14:creationId xmlns:p14="http://schemas.microsoft.com/office/powerpoint/2010/main" val="3297713618"/>
+        <p14:creationId xmlns:p14="http://schemas.microsoft.com/office/powerpoint/2010/main" xmlns="" val="3297713618"/>
       </p:ext>
     </p:extLst>
   </p:cSld>
@@ -30182,7 +30359,7 @@
     </p:spTree>
     <p:extLst>
       <p:ext uri="{BB962C8B-B14F-4D97-AF65-F5344CB8AC3E}">
-        <p14:creationId xmlns:p14="http://schemas.microsoft.com/office/powerpoint/2010/main" val="1605853429"/>
+        <p14:creationId xmlns:p14="http://schemas.microsoft.com/office/powerpoint/2010/main" xmlns="" val="1605853429"/>
       </p:ext>
     </p:extLst>
   </p:cSld>
@@ -32691,7 +32868,7 @@
     </p:spTree>
     <p:extLst>
       <p:ext uri="{BB962C8B-B14F-4D97-AF65-F5344CB8AC3E}">
-        <p14:creationId xmlns:p14="http://schemas.microsoft.com/office/powerpoint/2010/main" val="4235807130"/>
+        <p14:creationId xmlns:p14="http://schemas.microsoft.com/office/powerpoint/2010/main" xmlns="" val="4235807130"/>
       </p:ext>
     </p:extLst>
   </p:cSld>
@@ -36232,7 +36409,7 @@
     </p:spTree>
     <p:extLst>
       <p:ext uri="{BB962C8B-B14F-4D97-AF65-F5344CB8AC3E}">
-        <p14:creationId xmlns:p14="http://schemas.microsoft.com/office/powerpoint/2010/main" val="2092042626"/>
+        <p14:creationId xmlns:p14="http://schemas.microsoft.com/office/powerpoint/2010/main" xmlns="" val="2092042626"/>
       </p:ext>
     </p:extLst>
   </p:cSld>
